--- a/doc/day11/WDAE-Slides-11.pptx
+++ b/doc/day11/WDAE-Slides-11.pptx
@@ -4885,31 +4885,7 @@
             </a:r>
             <a:r>
               <a:rPr lang="en-US" altLang="ja-JP" sz="3000" dirty="0" smtClean="0"/>
-              <a:t>1</a:t>
-            </a:r>
-            <a:r>
-              <a:rPr lang="en-US" altLang="ja-JP" sz="3000" dirty="0" smtClean="0"/>
-              <a:t>1</a:t>
-            </a:r>
-            <a:r>
-              <a:rPr lang="en-US" altLang="ja-JP" sz="3000" dirty="0" smtClean="0"/>
-              <a:t>: 2</a:t>
-            </a:r>
-            <a:r>
-              <a:rPr lang="en-US" altLang="ja-JP" sz="3000" dirty="0" smtClean="0"/>
-              <a:t>8</a:t>
-            </a:r>
-            <a:r>
-              <a:rPr lang="en-US" altLang="ja-JP" sz="3000" dirty="0" smtClean="0"/>
-              <a:t>/</a:t>
-            </a:r>
-            <a:r>
-              <a:rPr lang="en-US" altLang="ja-JP" sz="3000" dirty="0" smtClean="0"/>
-              <a:t>June/</a:t>
-            </a:r>
-            <a:r>
-              <a:rPr lang="en-US" altLang="ja-JP" sz="3000" dirty="0" smtClean="0"/>
-              <a:t>2018</a:t>
+              <a:t>11: 28/June/2018</a:t>
             </a:r>
           </a:p>
           <a:p>
@@ -4945,7 +4921,6 @@
               <a:rPr lang="en-US" altLang="ja-JP" sz="3000" dirty="0" smtClean="0"/>
               <a:t>Design</a:t>
             </a:r>
-            <a:endParaRPr lang="en-US" altLang="ja-JP" sz="3000" dirty="0" smtClean="0"/>
           </a:p>
         </p:txBody>
       </p:sp>
@@ -6789,7 +6764,11 @@
           <a:p>
             <a:r>
               <a:rPr kumimoji="1" lang="en-US" altLang="ja-JP" dirty="0" smtClean="0"/>
-              <a:t>What</a:t>
+              <a:t>w</a:t>
+            </a:r>
+            <a:r>
+              <a:rPr kumimoji="1" lang="en-US" altLang="ja-JP" dirty="0" smtClean="0"/>
+              <a:t>hat</a:t>
             </a:r>
             <a:r>
               <a:rPr kumimoji="1" lang="ja-JP" altLang="en-US" dirty="0" smtClean="0"/>
@@ -6829,7 +6808,7 @@
             </a:r>
             <a:r>
               <a:rPr kumimoji="1" lang="en-US" altLang="ja-JP" dirty="0" smtClean="0"/>
-              <a:t>looks</a:t>
+              <a:t>look</a:t>
             </a:r>
             <a:r>
               <a:rPr kumimoji="1" lang="ja-JP" altLang="en-US" dirty="0" smtClean="0"/>
@@ -6846,6 +6825,49 @@
             <a:endParaRPr kumimoji="1" lang="en-US" altLang="ja-JP" dirty="0" smtClean="0"/>
           </a:p>
           <a:p>
+            <a:endParaRPr kumimoji="1" lang="en-US" altLang="ja-JP" dirty="0" smtClean="0"/>
+          </a:p>
+          <a:p>
+            <a:r>
+              <a:rPr lang="ja-JP" altLang="ja-JP" dirty="0" smtClean="0"/>
+              <a:t>W</a:t>
+            </a:r>
+            <a:r>
+              <a:rPr lang="en-US" altLang="ja-JP" dirty="0" smtClean="0"/>
+              <a:t>here</a:t>
+            </a:r>
+            <a:r>
+              <a:rPr lang="ja-JP" altLang="en-US" dirty="0" smtClean="0"/>
+              <a:t> </a:t>
+            </a:r>
+            <a:r>
+              <a:rPr lang="en-US" altLang="ja-JP" dirty="0" smtClean="0"/>
+              <a:t>to</a:t>
+            </a:r>
+            <a:r>
+              <a:rPr lang="ja-JP" altLang="en-US" dirty="0" smtClean="0"/>
+              <a:t> </a:t>
+            </a:r>
+            <a:r>
+              <a:rPr lang="en-US" altLang="ja-JP" dirty="0" smtClean="0"/>
+              <a:t>locate</a:t>
+            </a:r>
+            <a:r>
+              <a:rPr lang="ja-JP" altLang="en-US" dirty="0" smtClean="0"/>
+              <a:t> </a:t>
+            </a:r>
+            <a:r>
+              <a:rPr lang="en-US" altLang="ja-JP" dirty="0" smtClean="0"/>
+              <a:t>necessary</a:t>
+            </a:r>
+            <a:r>
+              <a:rPr lang="ja-JP" altLang="en-US" dirty="0" smtClean="0"/>
+              <a:t> </a:t>
+            </a:r>
+            <a:r>
+              <a:rPr lang="en-US" altLang="ja-JP" dirty="0" smtClean="0"/>
+              <a:t>links?</a:t>
+            </a:r>
             <a:endParaRPr kumimoji="1" lang="en-US" altLang="ja-JP" dirty="0" smtClean="0"/>
           </a:p>
         </p:txBody>
@@ -6944,7 +6966,6 @@
               <a:rPr lang="en-US" altLang="ja-JP" dirty="0" smtClean="0"/>
               <a:t>By who?</a:t>
             </a:r>
-            <a:endParaRPr lang="en-US" altLang="ja-JP" dirty="0" smtClean="0"/>
           </a:p>
           <a:p>
             <a:endParaRPr kumimoji="1" lang="ja-JP" altLang="en-US" dirty="0"/>
